--- a/!le petit plats presentation/les petis plats.pptx
+++ b/!le petit plats presentation/les petis plats.pptx
@@ -197,7 +197,7 @@
           <a:p>
             <a:fld id="{BF6183AE-FA5D-4ECE-9D11-47F24D2B8045}" type="datetimeFigureOut">
               <a:rPr lang="ru-RU" smtClean="0"/>
-              <a:t>11.03.2023</a:t>
+              <a:t>12.03.2023</a:t>
             </a:fld>
             <a:endParaRPr lang="ru-RU"/>
           </a:p>
@@ -742,7 +742,7 @@
           <a:p>
             <a:fld id="{FB365D73-36A5-4825-979C-D9BA025468DE}" type="datetime1">
               <a:rPr lang="ru-RU" smtClean="0"/>
-              <a:t>11.03.2023</a:t>
+              <a:t>12.03.2023</a:t>
             </a:fld>
             <a:endParaRPr lang="ru-RU"/>
           </a:p>
@@ -1007,7 +1007,7 @@
           <a:p>
             <a:fld id="{180F98E2-1B4A-411A-B15B-5F9670632B27}" type="datetime1">
               <a:rPr lang="ru-RU" smtClean="0"/>
-              <a:t>11.03.2023</a:t>
+              <a:t>12.03.2023</a:t>
             </a:fld>
             <a:endParaRPr lang="ru-RU"/>
           </a:p>
@@ -1182,7 +1182,7 @@
           <a:p>
             <a:fld id="{0BD3459F-6040-4AC5-9743-105A46E846F7}" type="datetime1">
               <a:rPr lang="ru-RU" smtClean="0"/>
-              <a:t>11.03.2023</a:t>
+              <a:t>12.03.2023</a:t>
             </a:fld>
             <a:endParaRPr lang="ru-RU"/>
           </a:p>
@@ -1347,7 +1347,7 @@
           <a:p>
             <a:fld id="{379AF40D-B4A6-42C4-B69D-46F67EBB51A8}" type="datetime1">
               <a:rPr lang="ru-RU" smtClean="0"/>
-              <a:t>11.03.2023</a:t>
+              <a:t>12.03.2023</a:t>
             </a:fld>
             <a:endParaRPr lang="ru-RU"/>
           </a:p>
@@ -1596,7 +1596,7 @@
           <a:p>
             <a:fld id="{C5DE012F-0786-4068-9E80-DE420999C2E7}" type="datetime1">
               <a:rPr lang="ru-RU" smtClean="0"/>
-              <a:t>11.03.2023</a:t>
+              <a:t>12.03.2023</a:t>
             </a:fld>
             <a:endParaRPr lang="ru-RU"/>
           </a:p>
@@ -1879,7 +1879,7 @@
           <a:p>
             <a:fld id="{B62E25B9-8C8B-486A-8234-A0C2F6226C66}" type="datetime1">
               <a:rPr lang="ru-RU" smtClean="0"/>
-              <a:t>11.03.2023</a:t>
+              <a:t>12.03.2023</a:t>
             </a:fld>
             <a:endParaRPr lang="ru-RU"/>
           </a:p>
@@ -2318,7 +2318,7 @@
           <a:p>
             <a:fld id="{D61F6F52-AA9C-428C-8F8B-EF31D5A13B07}" type="datetime1">
               <a:rPr lang="ru-RU" smtClean="0"/>
-              <a:t>11.03.2023</a:t>
+              <a:t>12.03.2023</a:t>
             </a:fld>
             <a:endParaRPr lang="ru-RU"/>
           </a:p>
@@ -2431,7 +2431,7 @@
           <a:p>
             <a:fld id="{5DA24F6C-7281-4108-B641-3F68CF57730F}" type="datetime1">
               <a:rPr lang="ru-RU" smtClean="0"/>
-              <a:t>11.03.2023</a:t>
+              <a:t>12.03.2023</a:t>
             </a:fld>
             <a:endParaRPr lang="ru-RU"/>
           </a:p>
@@ -2521,7 +2521,7 @@
           <a:p>
             <a:fld id="{4D7D0E0B-98E2-404B-8967-FE1EED4A2DCC}" type="datetime1">
               <a:rPr lang="ru-RU" smtClean="0"/>
-              <a:t>11.03.2023</a:t>
+              <a:t>12.03.2023</a:t>
             </a:fld>
             <a:endParaRPr lang="ru-RU"/>
           </a:p>
@@ -2763,7 +2763,7 @@
           <a:p>
             <a:fld id="{1D1BE76B-7DC6-48D5-A8DD-D1EAD166ED52}" type="datetime1">
               <a:rPr lang="ru-RU" smtClean="0"/>
-              <a:t>11.03.2023</a:t>
+              <a:t>12.03.2023</a:t>
             </a:fld>
             <a:endParaRPr lang="ru-RU"/>
           </a:p>
@@ -3057,7 +3057,7 @@
           <a:p>
             <a:fld id="{3FD6DF86-A373-480C-A3C4-49368BBF9DAF}" type="datetime1">
               <a:rPr lang="ru-RU" smtClean="0"/>
-              <a:t>11.03.2023</a:t>
+              <a:t>12.03.2023</a:t>
             </a:fld>
             <a:endParaRPr lang="ru-RU"/>
           </a:p>
@@ -3351,7 +3351,7 @@
           <a:p>
             <a:fld id="{8EFE7E54-5ED8-4E60-98CC-A333F13BD4C7}" type="datetime1">
               <a:rPr lang="ru-RU" smtClean="0"/>
-              <a:t>11.03.2023</a:t>
+              <a:t>12.03.2023</a:t>
             </a:fld>
             <a:endParaRPr lang="ru-RU"/>
           </a:p>
@@ -4054,13 +4054,8 @@
             <a:pPr lvl="1"/>
             <a:r>
               <a:rPr lang="fr-FR" dirty="0" smtClean="0"/>
-              <a:t>JS:Afficher les </a:t>
-            </a:r>
-            <a:r>
-              <a:rPr lang="fr-FR" dirty="0" smtClean="0"/>
-              <a:t>plats</a:t>
-            </a:r>
-            <a:endParaRPr lang="fr-FR" dirty="0" smtClean="0"/>
+              <a:t>JS:Afficher les plats</a:t>
+            </a:r>
           </a:p>
           <a:p>
             <a:pPr lvl="1"/>
@@ -4072,19 +4067,21 @@
               <a:rPr lang="fr-FR" dirty="0" smtClean="0"/>
               <a:t> les listes</a:t>
             </a:r>
-            <a:endParaRPr lang="fr-FR" dirty="0" smtClean="0"/>
           </a:p>
           <a:p>
             <a:pPr lvl="1"/>
             <a:r>
               <a:rPr lang="fr-FR" dirty="0" err="1" smtClean="0"/>
-              <a:t>JS:Observation</a:t>
+              <a:t>JS:Gestion</a:t>
+            </a:r>
+            <a:r>
+              <a:rPr lang="fr-FR" smtClean="0"/>
+              <a:t> des </a:t>
             </a:r>
             <a:r>
               <a:rPr lang="fr-FR" dirty="0" smtClean="0"/>
-              <a:t> des tags</a:t>
-            </a:r>
-            <a:endParaRPr lang="fr-FR" dirty="0" smtClean="0"/>
+              <a:t>tags</a:t>
+            </a:r>
           </a:p>
           <a:p>
             <a:pPr lvl="1"/>
@@ -4212,11 +4209,7 @@
             </a:r>
             <a:r>
               <a:rPr lang="fr-FR" b="0" dirty="0"/>
-              <a:t>site web qui </a:t>
-            </a:r>
-            <a:r>
-              <a:rPr lang="fr-FR" b="0" dirty="0"/>
-              <a:t>de recettes de cuisine à l’instar de Marmiton ou 750g.</a:t>
+              <a:t>site web qui de recettes de cuisine à l’instar de Marmiton ou 750g.</a:t>
             </a:r>
             <a:endParaRPr lang="ru-RU" dirty="0"/>
           </a:p>

--- a/!le petit plats presentation/les petis plats.pptx
+++ b/!le petit plats presentation/les petis plats.pptx
@@ -5,7 +5,7 @@
     <p:sldMasterId id="2147483672" r:id="rId1"/>
   </p:sldMasterIdLst>
   <p:notesMasterIdLst>
-    <p:notesMasterId r:id="rId8"/>
+    <p:notesMasterId r:id="rId9"/>
   </p:notesMasterIdLst>
   <p:sldIdLst>
     <p:sldId id="256" r:id="rId2"/>
@@ -13,7 +13,8 @@
     <p:sldId id="258" r:id="rId4"/>
     <p:sldId id="259" r:id="rId5"/>
     <p:sldId id="260" r:id="rId6"/>
-    <p:sldId id="262" r:id="rId7"/>
+    <p:sldId id="263" r:id="rId7"/>
+    <p:sldId id="262" r:id="rId8"/>
   </p:sldIdLst>
   <p:sldSz cx="9144000" cy="6858000" type="screen4x3"/>
   <p:notesSz cx="6858000" cy="9144000"/>
@@ -4075,7 +4076,7 @@
               <a:t>JS:Gestion</a:t>
             </a:r>
             <a:r>
-              <a:rPr lang="fr-FR" smtClean="0"/>
+              <a:rPr lang="fr-FR" dirty="0" smtClean="0"/>
               <a:t> des </a:t>
             </a:r>
             <a:r>
@@ -4198,8 +4199,13 @@
             <a:pPr algn="ctr"/>
             <a:r>
               <a:rPr lang="fr-FR" dirty="0" smtClean="0"/>
-              <a:t>Fisheye</a:t>
-            </a:r>
+              <a:t>Les </a:t>
+            </a:r>
+            <a:r>
+              <a:rPr lang="fr-FR" smtClean="0"/>
+              <a:t>petits plats</a:t>
+            </a:r>
+            <a:endParaRPr lang="fr-FR" dirty="0" smtClean="0"/>
           </a:p>
           <a:p>
             <a:pPr algn="ctr"/>
@@ -4916,7 +4922,7 @@
           <p:nvPr/>
         </p:nvPicPr>
         <p:blipFill>
-          <a:blip r:embed="rId2">
+          <a:blip r:embed="rId2" cstate="print">
             <a:extLst>
               <a:ext uri="{28A0092B-C50C-407E-A947-70E740481C1C}">
                 <a14:useLocalDpi xmlns:a14="http://schemas.microsoft.com/office/drawing/2010/main" val="0"/>
@@ -4930,8 +4936,8 @@
         </p:blipFill>
         <p:spPr bwMode="auto">
           <a:xfrm>
-            <a:off x="238543" y="1844824"/>
-            <a:ext cx="8247647" cy="4032971"/>
+            <a:off x="912168" y="2204864"/>
+            <a:ext cx="7580207" cy="3706603"/>
           </a:xfrm>
           <a:prstGeom prst="rect">
             <a:avLst/>
@@ -4981,6 +4987,145 @@
 </file>
 
 <file path=ppt/slides/slide6.xml><?xml version="1.0" encoding="utf-8"?>
+<p:sld xmlns:a="http://schemas.openxmlformats.org/drawingml/2006/main" xmlns:r="http://schemas.openxmlformats.org/officeDocument/2006/relationships" xmlns:p="http://schemas.openxmlformats.org/presentationml/2006/main">
+  <p:cSld>
+    <p:spTree>
+      <p:nvGrpSpPr>
+        <p:cNvPr id="1" name=""/>
+        <p:cNvGrpSpPr/>
+        <p:nvPr/>
+      </p:nvGrpSpPr>
+      <p:grpSpPr>
+        <a:xfrm>
+          <a:off x="0" y="0"/>
+          <a:ext cx="0" cy="0"/>
+          <a:chOff x="0" y="0"/>
+          <a:chExt cx="0" cy="0"/>
+        </a:xfrm>
+      </p:grpSpPr>
+      <p:sp>
+        <p:nvSpPr>
+          <p:cNvPr id="2" name="Titre 1"/>
+          <p:cNvSpPr>
+            <a:spLocks noGrp="1"/>
+          </p:cNvSpPr>
+          <p:nvPr>
+            <p:ph type="title"/>
+          </p:nvPr>
+        </p:nvSpPr>
+        <p:spPr/>
+        <p:txBody>
+          <a:bodyPr/>
+          <a:lstStyle/>
+          <a:p>
+            <a:endParaRPr lang="ru-RU"/>
+          </a:p>
+        </p:txBody>
+      </p:sp>
+      <p:sp>
+        <p:nvSpPr>
+          <p:cNvPr id="3" name="Espace réservé du contenu 2"/>
+          <p:cNvSpPr>
+            <a:spLocks noGrp="1"/>
+          </p:cNvSpPr>
+          <p:nvPr>
+            <p:ph idx="1"/>
+          </p:nvPr>
+        </p:nvSpPr>
+        <p:spPr/>
+        <p:txBody>
+          <a:bodyPr/>
+          <a:lstStyle/>
+          <a:p>
+            <a:endParaRPr lang="ru-RU" dirty="0"/>
+          </a:p>
+        </p:txBody>
+      </p:sp>
+      <p:sp>
+        <p:nvSpPr>
+          <p:cNvPr id="4" name="Espace réservé du numéro de diapositive 3"/>
+          <p:cNvSpPr>
+            <a:spLocks noGrp="1"/>
+          </p:cNvSpPr>
+          <p:nvPr>
+            <p:ph type="sldNum" sz="quarter" idx="12"/>
+          </p:nvPr>
+        </p:nvSpPr>
+        <p:spPr/>
+        <p:txBody>
+          <a:bodyPr/>
+          <a:lstStyle/>
+          <a:p>
+            <a:fld id="{754E84A0-3C95-47A9-B746-2370EFE21AC8}" type="slidenum">
+              <a:rPr lang="ru-RU" smtClean="0"/>
+              <a:t>6</a:t>
+            </a:fld>
+            <a:endParaRPr lang="ru-RU"/>
+          </a:p>
+        </p:txBody>
+      </p:sp>
+      <p:pic>
+        <p:nvPicPr>
+          <p:cNvPr id="1026" name="Picture 2" descr="D:\git\Les petits Plat\!le petit plats presentation\test recherche.drawio.png"/>
+          <p:cNvPicPr>
+            <a:picLocks noChangeAspect="1" noChangeArrowheads="1"/>
+          </p:cNvPicPr>
+          <p:nvPr/>
+        </p:nvPicPr>
+        <p:blipFill>
+          <a:blip r:embed="rId2">
+            <a:extLst>
+              <a:ext uri="{28A0092B-C50C-407E-A947-70E740481C1C}">
+                <a14:useLocalDpi xmlns:a14="http://schemas.microsoft.com/office/drawing/2010/main" val="0"/>
+              </a:ext>
+            </a:extLst>
+          </a:blip>
+          <a:srcRect/>
+          <a:stretch>
+            <a:fillRect/>
+          </a:stretch>
+        </p:blipFill>
+        <p:spPr bwMode="auto">
+          <a:xfrm>
+            <a:off x="2123728" y="476672"/>
+            <a:ext cx="3704707" cy="5586186"/>
+          </a:xfrm>
+          <a:prstGeom prst="rect">
+            <a:avLst/>
+          </a:prstGeom>
+          <a:noFill/>
+          <a:extLst>
+            <a:ext uri="{909E8E84-426E-40DD-AFC4-6F175D3DCCD1}">
+              <a14:hiddenFill xmlns:a14="http://schemas.microsoft.com/office/drawing/2010/main">
+                <a:solidFill>
+                  <a:srgbClr val="FFFFFF"/>
+                </a:solidFill>
+              </a14:hiddenFill>
+            </a:ext>
+          </a:extLst>
+        </p:spPr>
+      </p:pic>
+    </p:spTree>
+    <p:extLst>
+      <p:ext uri="{BB962C8B-B14F-4D97-AF65-F5344CB8AC3E}">
+        <p14:creationId xmlns:p14="http://schemas.microsoft.com/office/powerpoint/2010/main" val="1933707228"/>
+      </p:ext>
+    </p:extLst>
+  </p:cSld>
+  <p:clrMapOvr>
+    <a:masterClrMapping/>
+  </p:clrMapOvr>
+  <p:timing>
+    <p:tnLst>
+      <p:par>
+        <p:cTn id="1" dur="indefinite" restart="never" nodeType="tmRoot"/>
+      </p:par>
+    </p:tnLst>
+  </p:timing>
+</p:sld>
+</file>
+
+<file path=ppt/slides/slide7.xml><?xml version="1.0" encoding="utf-8"?>
 <p:sld xmlns:a="http://schemas.openxmlformats.org/drawingml/2006/main" xmlns:r="http://schemas.openxmlformats.org/officeDocument/2006/relationships" xmlns:p="http://schemas.openxmlformats.org/presentationml/2006/main">
   <p:cSld>
     <p:spTree>
